--- a/VueJSReport.pptx
+++ b/VueJSReport.pptx
@@ -287,7 +287,7 @@
           <a:p>
             <a:fld id="{6097E298-8A86-4C53-B589-05F1F87826B8}" type="datetimeFigureOut">
               <a:rPr lang="en-US" smtClean="0"/>
-              <a:t>11/26/2022</a:t>
+              <a:t>11/27/2022</a:t>
             </a:fld>
             <a:endParaRPr lang="en-US"/>
           </a:p>
@@ -485,7 +485,7 @@
           <a:p>
             <a:fld id="{6097E298-8A86-4C53-B589-05F1F87826B8}" type="datetimeFigureOut">
               <a:rPr lang="en-US" smtClean="0"/>
-              <a:t>11/26/2022</a:t>
+              <a:t>11/27/2022</a:t>
             </a:fld>
             <a:endParaRPr lang="en-US"/>
           </a:p>
@@ -693,7 +693,7 @@
           <a:p>
             <a:fld id="{6097E298-8A86-4C53-B589-05F1F87826B8}" type="datetimeFigureOut">
               <a:rPr lang="en-US" smtClean="0"/>
-              <a:t>11/26/2022</a:t>
+              <a:t>11/27/2022</a:t>
             </a:fld>
             <a:endParaRPr lang="en-US"/>
           </a:p>
@@ -891,7 +891,7 @@
           <a:p>
             <a:fld id="{6097E298-8A86-4C53-B589-05F1F87826B8}" type="datetimeFigureOut">
               <a:rPr lang="en-US" smtClean="0"/>
-              <a:t>11/26/2022</a:t>
+              <a:t>11/27/2022</a:t>
             </a:fld>
             <a:endParaRPr lang="en-US"/>
           </a:p>
@@ -1166,7 +1166,7 @@
           <a:p>
             <a:fld id="{6097E298-8A86-4C53-B589-05F1F87826B8}" type="datetimeFigureOut">
               <a:rPr lang="en-US" smtClean="0"/>
-              <a:t>11/26/2022</a:t>
+              <a:t>11/27/2022</a:t>
             </a:fld>
             <a:endParaRPr lang="en-US"/>
           </a:p>
@@ -1431,7 +1431,7 @@
           <a:p>
             <a:fld id="{6097E298-8A86-4C53-B589-05F1F87826B8}" type="datetimeFigureOut">
               <a:rPr lang="en-US" smtClean="0"/>
-              <a:t>11/26/2022</a:t>
+              <a:t>11/27/2022</a:t>
             </a:fld>
             <a:endParaRPr lang="en-US"/>
           </a:p>
@@ -1843,7 +1843,7 @@
           <a:p>
             <a:fld id="{6097E298-8A86-4C53-B589-05F1F87826B8}" type="datetimeFigureOut">
               <a:rPr lang="en-US" smtClean="0"/>
-              <a:t>11/26/2022</a:t>
+              <a:t>11/27/2022</a:t>
             </a:fld>
             <a:endParaRPr lang="en-US"/>
           </a:p>
@@ -1984,7 +1984,7 @@
           <a:p>
             <a:fld id="{6097E298-8A86-4C53-B589-05F1F87826B8}" type="datetimeFigureOut">
               <a:rPr lang="en-US" smtClean="0"/>
-              <a:t>11/26/2022</a:t>
+              <a:t>11/27/2022</a:t>
             </a:fld>
             <a:endParaRPr lang="en-US"/>
           </a:p>
@@ -2097,7 +2097,7 @@
           <a:p>
             <a:fld id="{6097E298-8A86-4C53-B589-05F1F87826B8}" type="datetimeFigureOut">
               <a:rPr lang="en-US" smtClean="0"/>
-              <a:t>11/26/2022</a:t>
+              <a:t>11/27/2022</a:t>
             </a:fld>
             <a:endParaRPr lang="en-US"/>
           </a:p>
@@ -2408,7 +2408,7 @@
           <a:p>
             <a:fld id="{6097E298-8A86-4C53-B589-05F1F87826B8}" type="datetimeFigureOut">
               <a:rPr lang="en-US" smtClean="0"/>
-              <a:t>11/26/2022</a:t>
+              <a:t>11/27/2022</a:t>
             </a:fld>
             <a:endParaRPr lang="en-US"/>
           </a:p>
@@ -2699,7 +2699,7 @@
           <a:p>
             <a:fld id="{6097E298-8A86-4C53-B589-05F1F87826B8}" type="datetimeFigureOut">
               <a:rPr lang="en-US" smtClean="0"/>
-              <a:t>11/26/2022</a:t>
+              <a:t>11/27/2022</a:t>
             </a:fld>
             <a:endParaRPr lang="en-US"/>
           </a:p>
@@ -2940,7 +2940,7 @@
           <a:p>
             <a:fld id="{6097E298-8A86-4C53-B589-05F1F87826B8}" type="datetimeFigureOut">
               <a:rPr lang="en-US" smtClean="0"/>
-              <a:t>11/26/2022</a:t>
+              <a:t>11/27/2022</a:t>
             </a:fld>
             <a:endParaRPr lang="en-US"/>
           </a:p>
@@ -5194,8 +5194,8 @@
           <a:lstStyle/>
           <a:p>
             <a:r>
-              <a:rPr lang="en-US"/>
-              <a:t>Kết quả thực hiện</a:t>
+              <a:rPr lang="en-US" dirty="0"/>
+              <a:t>Result</a:t>
             </a:r>
           </a:p>
         </p:txBody>
@@ -5282,8 +5282,8 @@
           <a:lstStyle/>
           <a:p>
             <a:r>
-              <a:rPr lang="en-US"/>
-              <a:t>Kết quả thực hiện</a:t>
+              <a:rPr lang="en-US" dirty="0"/>
+              <a:t>Result</a:t>
             </a:r>
           </a:p>
         </p:txBody>
@@ -5370,8 +5370,8 @@
           <a:lstStyle/>
           <a:p>
             <a:r>
-              <a:rPr lang="en-US"/>
-              <a:t>Kết quả thực hiện</a:t>
+              <a:rPr lang="en-US" dirty="0"/>
+              <a:t>Result</a:t>
             </a:r>
           </a:p>
         </p:txBody>
@@ -5458,8 +5458,8 @@
           <a:lstStyle/>
           <a:p>
             <a:r>
-              <a:rPr lang="en-US"/>
-              <a:t>Kết quả thực hiện</a:t>
+              <a:rPr lang="en-US" dirty="0"/>
+              <a:t>Result</a:t>
             </a:r>
           </a:p>
         </p:txBody>
@@ -5546,8 +5546,8 @@
           <a:lstStyle/>
           <a:p>
             <a:r>
-              <a:rPr lang="en-US"/>
-              <a:t>Kết quả thực hiện</a:t>
+              <a:rPr lang="en-US" dirty="0"/>
+              <a:t>Result</a:t>
             </a:r>
           </a:p>
         </p:txBody>
@@ -5634,8 +5634,8 @@
           <a:lstStyle/>
           <a:p>
             <a:r>
-              <a:rPr lang="en-US"/>
-              <a:t>Kết quả thực hiện</a:t>
+              <a:rPr lang="en-US" dirty="0"/>
+              <a:t>Result</a:t>
             </a:r>
           </a:p>
         </p:txBody>
@@ -5722,8 +5722,8 @@
           <a:lstStyle/>
           <a:p>
             <a:r>
-              <a:rPr lang="en-US"/>
-              <a:t>Kết quả thực hiện</a:t>
+              <a:rPr lang="en-US" dirty="0"/>
+              <a:t>Result</a:t>
             </a:r>
           </a:p>
         </p:txBody>
@@ -5940,8 +5940,8 @@
           <a:lstStyle/>
           <a:p>
             <a:r>
-              <a:rPr lang="en-US"/>
-              <a:t>Kết quả thực hiện</a:t>
+              <a:rPr lang="en-US" dirty="0"/>
+              <a:t>Result</a:t>
             </a:r>
           </a:p>
         </p:txBody>
@@ -6028,8 +6028,8 @@
           <a:lstStyle/>
           <a:p>
             <a:r>
-              <a:rPr lang="en-US"/>
-              <a:t>Kết quả thực hiện</a:t>
+              <a:rPr lang="en-US" dirty="0"/>
+              <a:t>Result</a:t>
             </a:r>
           </a:p>
         </p:txBody>
@@ -6116,8 +6116,8 @@
           <a:lstStyle/>
           <a:p>
             <a:r>
-              <a:rPr lang="en-US"/>
-              <a:t>Kết quả thực hiện</a:t>
+              <a:rPr lang="en-US" dirty="0"/>
+              <a:t>Result</a:t>
             </a:r>
           </a:p>
         </p:txBody>
@@ -6204,8 +6204,8 @@
           <a:lstStyle/>
           <a:p>
             <a:r>
-              <a:rPr lang="en-US"/>
-              <a:t>Kết quả thực hiện</a:t>
+              <a:rPr lang="en-US" dirty="0"/>
+              <a:t>Result</a:t>
             </a:r>
           </a:p>
         </p:txBody>
@@ -6352,8 +6352,8 @@
           <a:lstStyle/>
           <a:p>
             <a:r>
-              <a:rPr lang="en-US"/>
-              <a:t>Mã nguồn</a:t>
+              <a:rPr lang="en-US" dirty="0"/>
+              <a:t>Source code</a:t>
             </a:r>
           </a:p>
         </p:txBody>
@@ -6380,15 +6380,15 @@
           <a:lstStyle/>
           <a:p>
             <a:r>
-              <a:rPr lang="en-US">
+              <a:rPr lang="en-US" dirty="0">
                 <a:hlinkClick r:id="rId2"/>
               </a:rPr>
               <a:t>https://github.com/baokhoa-code/EcomerceTechWeb</a:t>
             </a:r>
-            <a:endParaRPr lang="en-US"/>
-          </a:p>
-          <a:p>
-            <a:endParaRPr lang="en-US"/>
+            <a:endParaRPr lang="en-US" dirty="0"/>
+          </a:p>
+          <a:p>
+            <a:endParaRPr lang="en-US" dirty="0"/>
           </a:p>
         </p:txBody>
       </p:sp>
@@ -7235,6 +7235,36 @@
           </a:p>
         </p:txBody>
       </p:sp>
+      <p:pic>
+        <p:nvPicPr>
+          <p:cNvPr id="4" name="Picture 3">
+            <a:extLst>
+              <a:ext uri="{FF2B5EF4-FFF2-40B4-BE49-F238E27FC236}">
+                <a16:creationId xmlns:a16="http://schemas.microsoft.com/office/drawing/2014/main" id="{6E2C513C-E61F-A7E6-FB44-A5DEE8E29A16}"/>
+              </a:ext>
+            </a:extLst>
+          </p:cNvPr>
+          <p:cNvPicPr>
+            <a:picLocks noChangeAspect="1"/>
+          </p:cNvPicPr>
+          <p:nvPr/>
+        </p:nvPicPr>
+        <p:blipFill>
+          <a:blip r:embed="rId2"/>
+          <a:stretch>
+            <a:fillRect/>
+          </a:stretch>
+        </p:blipFill>
+        <p:spPr>
+          <a:xfrm>
+            <a:off x="3181328" y="435747"/>
+            <a:ext cx="5829343" cy="5986506"/>
+          </a:xfrm>
+          <a:prstGeom prst="rect">
+            <a:avLst/>
+          </a:prstGeom>
+        </p:spPr>
+      </p:pic>
     </p:spTree>
     <p:extLst>
       <p:ext uri="{BB962C8B-B14F-4D97-AF65-F5344CB8AC3E}">
